--- a/Political juggernauts.pptx
+++ b/Political juggernauts.pptx
@@ -7,8 +7,6 @@
   <p:sldIdLst>
     <p:sldId id="256" r:id="rId2"/>
     <p:sldId id="257" r:id="rId3"/>
-    <p:sldId id="258" r:id="rId4"/>
-    <p:sldId id="259" r:id="rId5"/>
   </p:sldIdLst>
   <p:sldSz cx="12192000" cy="6858000"/>
   <p:notesSz cx="6858000" cy="9144000"/>
@@ -107,6 +105,11 @@
       </a:defRPr>
     </a:lvl9pPr>
   </p:defaultTextStyle>
+  <p:extLst>
+    <p:ext uri="{EFAFB233-063F-42B5-8137-9DF3F51BA10A}">
+      <p15:sldGuideLst xmlns:p15="http://schemas.microsoft.com/office/powerpoint/2012/main"/>
+    </p:ext>
+  </p:extLst>
 </p:presentation>
 </file>
 
@@ -302,7 +305,7 @@
             <a:fld id="{B61BEF0D-F0BB-DE4B-95CE-6DB70DBA9567}" type="datetimeFigureOut">
               <a:rPr lang="en-US" dirty="0"/>
               <a:pPr/>
-              <a:t>9/1/2023</a:t>
+              <a:t>10/15/2023</a:t>
             </a:fld>
             <a:endParaRPr lang="en-US" dirty="0"/>
           </a:p>
@@ -735,7 +738,7 @@
             <a:fld id="{B61BEF0D-F0BB-DE4B-95CE-6DB70DBA9567}" type="datetimeFigureOut">
               <a:rPr lang="en-US" dirty="0"/>
               <a:pPr/>
-              <a:t>9/1/2023</a:t>
+              <a:t>10/15/2023</a:t>
             </a:fld>
             <a:endParaRPr lang="en-US" dirty="0"/>
           </a:p>
@@ -982,7 +985,7 @@
             <a:fld id="{B61BEF0D-F0BB-DE4B-95CE-6DB70DBA9567}" type="datetimeFigureOut">
               <a:rPr lang="en-US" dirty="0"/>
               <a:pPr/>
-              <a:t>9/1/2023</a:t>
+              <a:t>10/15/2023</a:t>
             </a:fld>
             <a:endParaRPr lang="en-US" dirty="0"/>
           </a:p>
@@ -1287,7 +1290,7 @@
             <a:fld id="{B61BEF0D-F0BB-DE4B-95CE-6DB70DBA9567}" type="datetimeFigureOut">
               <a:rPr lang="en-US" dirty="0"/>
               <a:pPr/>
-              <a:t>9/1/2023</a:t>
+              <a:t>10/15/2023</a:t>
             </a:fld>
             <a:endParaRPr lang="en-US" dirty="0"/>
           </a:p>
@@ -1602,7 +1605,7 @@
             <a:fld id="{B61BEF0D-F0BB-DE4B-95CE-6DB70DBA9567}" type="datetimeFigureOut">
               <a:rPr lang="en-US" dirty="0"/>
               <a:pPr/>
-              <a:t>9/1/2023</a:t>
+              <a:t>10/15/2023</a:t>
             </a:fld>
             <a:endParaRPr lang="en-US" dirty="0"/>
           </a:p>
@@ -1901,7 +1904,7 @@
             <a:fld id="{B61BEF0D-F0BB-DE4B-95CE-6DB70DBA9567}" type="datetimeFigureOut">
               <a:rPr lang="en-US" dirty="0"/>
               <a:pPr/>
-              <a:t>9/1/2023</a:t>
+              <a:t>10/15/2023</a:t>
             </a:fld>
             <a:endParaRPr lang="en-US" dirty="0"/>
           </a:p>
@@ -2265,7 +2268,7 @@
             <a:fld id="{B61BEF0D-F0BB-DE4B-95CE-6DB70DBA9567}" type="datetimeFigureOut">
               <a:rPr lang="en-US" dirty="0"/>
               <a:pPr/>
-              <a:t>9/1/2023</a:t>
+              <a:t>10/15/2023</a:t>
             </a:fld>
             <a:endParaRPr lang="en-US" dirty="0"/>
           </a:p>
@@ -2436,7 +2439,7 @@
             <a:fld id="{B61BEF0D-F0BB-DE4B-95CE-6DB70DBA9567}" type="datetimeFigureOut">
               <a:rPr lang="en-US" dirty="0"/>
               <a:pPr/>
-              <a:t>9/1/2023</a:t>
+              <a:t>10/15/2023</a:t>
             </a:fld>
             <a:endParaRPr lang="en-US" dirty="0"/>
           </a:p>
@@ -2613,7 +2616,7 @@
             <a:fld id="{B61BEF0D-F0BB-DE4B-95CE-6DB70DBA9567}" type="datetimeFigureOut">
               <a:rPr lang="en-US" dirty="0"/>
               <a:pPr/>
-              <a:t>9/1/2023</a:t>
+              <a:t>10/15/2023</a:t>
             </a:fld>
             <a:endParaRPr lang="en-US" dirty="0"/>
           </a:p>
@@ -2780,7 +2783,7 @@
             <a:fld id="{B61BEF0D-F0BB-DE4B-95CE-6DB70DBA9567}" type="datetimeFigureOut">
               <a:rPr lang="en-US" dirty="0"/>
               <a:pPr/>
-              <a:t>9/1/2023</a:t>
+              <a:t>10/15/2023</a:t>
             </a:fld>
             <a:endParaRPr lang="en-US" dirty="0"/>
           </a:p>
@@ -3027,7 +3030,7 @@
             <a:fld id="{B61BEF0D-F0BB-DE4B-95CE-6DB70DBA9567}" type="datetimeFigureOut">
               <a:rPr lang="en-US" dirty="0"/>
               <a:pPr/>
-              <a:t>9/1/2023</a:t>
+              <a:t>10/15/2023</a:t>
             </a:fld>
             <a:endParaRPr lang="en-US" dirty="0"/>
           </a:p>
@@ -3260,7 +3263,7 @@
             <a:fld id="{B61BEF0D-F0BB-DE4B-95CE-6DB70DBA9567}" type="datetimeFigureOut">
               <a:rPr lang="en-US" dirty="0"/>
               <a:pPr/>
-              <a:t>9/1/2023</a:t>
+              <a:t>10/15/2023</a:t>
             </a:fld>
             <a:endParaRPr lang="en-US" dirty="0"/>
           </a:p>
@@ -3639,7 +3642,7 @@
             <a:fld id="{B61BEF0D-F0BB-DE4B-95CE-6DB70DBA9567}" type="datetimeFigureOut">
               <a:rPr lang="en-US" dirty="0"/>
               <a:pPr/>
-              <a:t>9/1/2023</a:t>
+              <a:t>10/15/2023</a:t>
             </a:fld>
             <a:endParaRPr lang="en-US" dirty="0"/>
           </a:p>
@@ -3754,7 +3757,7 @@
             <a:fld id="{B61BEF0D-F0BB-DE4B-95CE-6DB70DBA9567}" type="datetimeFigureOut">
               <a:rPr lang="en-US" dirty="0"/>
               <a:pPr/>
-              <a:t>9/1/2023</a:t>
+              <a:t>10/15/2023</a:t>
             </a:fld>
             <a:endParaRPr lang="en-US" dirty="0"/>
           </a:p>
@@ -3846,7 +3849,7 @@
             <a:fld id="{B61BEF0D-F0BB-DE4B-95CE-6DB70DBA9567}" type="datetimeFigureOut">
               <a:rPr lang="en-US" dirty="0"/>
               <a:pPr/>
-              <a:t>9/1/2023</a:t>
+              <a:t>10/15/2023</a:t>
             </a:fld>
             <a:endParaRPr lang="en-US" dirty="0"/>
           </a:p>
@@ -4098,7 +4101,7 @@
             <a:fld id="{B61BEF0D-F0BB-DE4B-95CE-6DB70DBA9567}" type="datetimeFigureOut">
               <a:rPr lang="en-US" dirty="0"/>
               <a:pPr/>
-              <a:t>9/1/2023</a:t>
+              <a:t>10/15/2023</a:t>
             </a:fld>
             <a:endParaRPr lang="en-US" dirty="0"/>
           </a:p>
@@ -4378,7 +4381,7 @@
             <a:fld id="{B61BEF0D-F0BB-DE4B-95CE-6DB70DBA9567}" type="datetimeFigureOut">
               <a:rPr lang="en-US" dirty="0"/>
               <a:pPr/>
-              <a:t>9/1/2023</a:t>
+              <a:t>10/15/2023</a:t>
             </a:fld>
             <a:endParaRPr lang="en-US" dirty="0"/>
           </a:p>
@@ -4781,7 +4784,7 @@
             <a:fld id="{B61BEF0D-F0BB-DE4B-95CE-6DB70DBA9567}" type="datetimeFigureOut">
               <a:rPr lang="en-US" dirty="0"/>
               <a:pPr/>
-              <a:t>9/1/2023</a:t>
+              <a:t>10/15/2023</a:t>
             </a:fld>
             <a:endParaRPr lang="en-US" dirty="0"/>
           </a:p>
@@ -5376,17 +5379,46 @@
         </p:nvSpPr>
         <p:spPr>
           <a:xfrm>
-            <a:off x="1346820" y="4028662"/>
-            <a:ext cx="6400800" cy="914400"/>
+            <a:off x="3352800" y="4003964"/>
+            <a:ext cx="6625402" cy="1939635"/>
           </a:xfrm>
         </p:spPr>
         <p:txBody>
-          <a:bodyPr/>
-          <a:lstStyle/>
-          <a:p>
-            <a:r>
-              <a:rPr lang="en-US" dirty="0"/>
-              <a:t>                      Lok Sabha in the 2019</a:t>
+          <a:bodyPr>
+            <a:noAutofit/>
+          </a:bodyPr>
+          <a:lstStyle/>
+          <a:p>
+            <a:pPr algn="ctr"/>
+            <a:r>
+              <a:rPr lang="en-US" sz="3200" dirty="0">
+                <a:solidFill>
+                  <a:schemeClr val="tx1"/>
+                </a:solidFill>
+              </a:rPr>
+              <a:t>TEAM MEMBERS </a:t>
+            </a:r>
+          </a:p>
+          <a:p>
+            <a:pPr algn="ctr"/>
+            <a:r>
+              <a:rPr lang="en-US" sz="3200" dirty="0">
+                <a:solidFill>
+                  <a:schemeClr val="tx1"/>
+                </a:solidFill>
+              </a:rPr>
+              <a:t>YASHASWINI K LD</a:t>
+            </a:r>
+          </a:p>
+          <a:p>
+            <a:pPr algn="ctr"/>
+            <a:r>
+              <a:rPr lang="en-US" sz="3200" dirty="0">
+                <a:solidFill>
+                  <a:schemeClr val="tx1"/>
+                </a:solidFill>
+              </a:rPr>
+              <a:t>URANI R</a:t>
             </a:r>
           </a:p>
         </p:txBody>
@@ -5487,202 +5519,6 @@
     <p:extLst>
       <p:ext uri="{BB962C8B-B14F-4D97-AF65-F5344CB8AC3E}">
         <p14:creationId xmlns:p14="http://schemas.microsoft.com/office/powerpoint/2010/main" val="1385847323"/>
-      </p:ext>
-    </p:extLst>
-  </p:cSld>
-  <p:clrMapOvr>
-    <a:masterClrMapping/>
-  </p:clrMapOvr>
-</p:sld>
-</file>
-
-<file path=ppt/slides/slide3.xml><?xml version="1.0" encoding="utf-8"?>
-<p:sld xmlns:a="http://schemas.openxmlformats.org/drawingml/2006/main" xmlns:r="http://schemas.openxmlformats.org/officeDocument/2006/relationships" xmlns:p="http://schemas.openxmlformats.org/presentationml/2006/main">
-  <p:cSld>
-    <p:spTree>
-      <p:nvGrpSpPr>
-        <p:cNvPr id="1" name=""/>
-        <p:cNvGrpSpPr/>
-        <p:nvPr/>
-      </p:nvGrpSpPr>
-      <p:grpSpPr>
-        <a:xfrm>
-          <a:off x="0" y="0"/>
-          <a:ext cx="0" cy="0"/>
-          <a:chOff x="0" y="0"/>
-          <a:chExt cx="0" cy="0"/>
-        </a:xfrm>
-      </p:grpSpPr>
-      <p:sp>
-        <p:nvSpPr>
-          <p:cNvPr id="2" name="Title 1">
-            <a:extLst>
-              <a:ext uri="{FF2B5EF4-FFF2-40B4-BE49-F238E27FC236}">
-                <a16:creationId xmlns:a16="http://schemas.microsoft.com/office/drawing/2014/main" id="{DA92CA8C-D32C-48F1-83C4-EE2185842A3B}"/>
-              </a:ext>
-            </a:extLst>
-          </p:cNvPr>
-          <p:cNvSpPr>
-            <a:spLocks noGrp="1"/>
-          </p:cNvSpPr>
-          <p:nvPr>
-            <p:ph type="title"/>
-          </p:nvPr>
-        </p:nvSpPr>
-        <p:spPr/>
-        <p:txBody>
-          <a:bodyPr/>
-          <a:lstStyle/>
-          <a:p>
-            <a:r>
-              <a:rPr lang="en-US" dirty="0"/>
-              <a:t>  </a:t>
-            </a:r>
-          </a:p>
-        </p:txBody>
-      </p:sp>
-      <p:sp>
-        <p:nvSpPr>
-          <p:cNvPr id="3" name="Content Placeholder 2">
-            <a:extLst>
-              <a:ext uri="{FF2B5EF4-FFF2-40B4-BE49-F238E27FC236}">
-                <a16:creationId xmlns:a16="http://schemas.microsoft.com/office/drawing/2014/main" id="{CEB35E16-4C74-4E6E-977A-4E6B55B5A6A4}"/>
-              </a:ext>
-            </a:extLst>
-          </p:cNvPr>
-          <p:cNvSpPr>
-            <a:spLocks noGrp="1"/>
-          </p:cNvSpPr>
-          <p:nvPr>
-            <p:ph idx="1"/>
-          </p:nvPr>
-        </p:nvSpPr>
-        <p:spPr>
-          <a:xfrm>
-            <a:off x="684212" y="685801"/>
-            <a:ext cx="7011988" cy="2952750"/>
-          </a:xfrm>
-        </p:spPr>
-        <p:txBody>
-          <a:bodyPr/>
-          <a:lstStyle/>
-          <a:p>
-            <a:r>
-              <a:rPr lang="en-US" dirty="0"/>
-              <a:t> </a:t>
-            </a:r>
-          </a:p>
-        </p:txBody>
-      </p:sp>
-    </p:spTree>
-    <p:extLst>
-      <p:ext uri="{BB962C8B-B14F-4D97-AF65-F5344CB8AC3E}">
-        <p14:creationId xmlns:p14="http://schemas.microsoft.com/office/powerpoint/2010/main" val="112482411"/>
-      </p:ext>
-    </p:extLst>
-  </p:cSld>
-  <p:clrMapOvr>
-    <a:masterClrMapping/>
-  </p:clrMapOvr>
-</p:sld>
-</file>
-
-<file path=ppt/slides/slide4.xml><?xml version="1.0" encoding="utf-8"?>
-<p:sld xmlns:a="http://schemas.openxmlformats.org/drawingml/2006/main" xmlns:r="http://schemas.openxmlformats.org/officeDocument/2006/relationships" xmlns:p="http://schemas.openxmlformats.org/presentationml/2006/main">
-  <p:cSld>
-    <p:spTree>
-      <p:nvGrpSpPr>
-        <p:cNvPr id="1" name=""/>
-        <p:cNvGrpSpPr/>
-        <p:nvPr/>
-      </p:nvGrpSpPr>
-      <p:grpSpPr>
-        <a:xfrm>
-          <a:off x="0" y="0"/>
-          <a:ext cx="0" cy="0"/>
-          <a:chOff x="0" y="0"/>
-          <a:chExt cx="0" cy="0"/>
-        </a:xfrm>
-      </p:grpSpPr>
-      <p:sp>
-        <p:nvSpPr>
-          <p:cNvPr id="2" name="Title 1">
-            <a:extLst>
-              <a:ext uri="{FF2B5EF4-FFF2-40B4-BE49-F238E27FC236}">
-                <a16:creationId xmlns:a16="http://schemas.microsoft.com/office/drawing/2014/main" id="{13F4D9FC-3CE5-4CBE-BABB-A415D2FB0795}"/>
-              </a:ext>
-            </a:extLst>
-          </p:cNvPr>
-          <p:cNvSpPr>
-            <a:spLocks noGrp="1"/>
-          </p:cNvSpPr>
-          <p:nvPr>
-            <p:ph type="title"/>
-          </p:nvPr>
-        </p:nvSpPr>
-        <p:spPr/>
-        <p:txBody>
-          <a:bodyPr/>
-          <a:lstStyle/>
-          <a:p>
-            <a:endParaRPr lang="en-US"/>
-          </a:p>
-        </p:txBody>
-      </p:sp>
-      <p:sp>
-        <p:nvSpPr>
-          <p:cNvPr id="3" name="Content Placeholder 2">
-            <a:extLst>
-              <a:ext uri="{FF2B5EF4-FFF2-40B4-BE49-F238E27FC236}">
-                <a16:creationId xmlns:a16="http://schemas.microsoft.com/office/drawing/2014/main" id="{770A30A4-DBAE-4BE0-8320-92705A6BE2F3}"/>
-              </a:ext>
-            </a:extLst>
-          </p:cNvPr>
-          <p:cNvSpPr>
-            <a:spLocks noGrp="1"/>
-          </p:cNvSpPr>
-          <p:nvPr>
-            <p:ph idx="1"/>
-          </p:nvPr>
-        </p:nvSpPr>
-        <p:spPr/>
-        <p:txBody>
-          <a:bodyPr/>
-          <a:lstStyle/>
-          <a:p>
-            <a:endParaRPr lang="en-US"/>
-          </a:p>
-        </p:txBody>
-      </p:sp>
-      <p:sp>
-        <p:nvSpPr>
-          <p:cNvPr id="4" name="Text Placeholder 3">
-            <a:extLst>
-              <a:ext uri="{FF2B5EF4-FFF2-40B4-BE49-F238E27FC236}">
-                <a16:creationId xmlns:a16="http://schemas.microsoft.com/office/drawing/2014/main" id="{A21417EB-AE57-4999-92BE-774845C83CDD}"/>
-              </a:ext>
-            </a:extLst>
-          </p:cNvPr>
-          <p:cNvSpPr>
-            <a:spLocks noGrp="1"/>
-          </p:cNvSpPr>
-          <p:nvPr>
-            <p:ph type="body" sz="half" idx="2"/>
-          </p:nvPr>
-        </p:nvSpPr>
-        <p:spPr/>
-        <p:txBody>
-          <a:bodyPr/>
-          <a:lstStyle/>
-          <a:p>
-            <a:endParaRPr lang="en-US"/>
-          </a:p>
-        </p:txBody>
-      </p:sp>
-    </p:spTree>
-    <p:extLst>
-      <p:ext uri="{BB962C8B-B14F-4D97-AF65-F5344CB8AC3E}">
-        <p14:creationId xmlns:p14="http://schemas.microsoft.com/office/powerpoint/2010/main" val="3860248549"/>
       </p:ext>
     </p:extLst>
   </p:cSld>
